--- a/SuiteRec_poster.pptx
+++ b/SuiteRec_poster.pptx
@@ -5,7 +5,7 @@
     <p:sldMasterId id="2147483660" r:id="rId1"/>
   </p:sldMasterIdLst>
   <p:notesMasterIdLst>
-    <p:notesMasterId r:id="rId7"/>
+    <p:notesMasterId r:id="rId8"/>
   </p:notesMasterIdLst>
   <p:sldIdLst>
     <p:sldId id="257" r:id="rId2"/>
@@ -13,6 +13,7 @@
     <p:sldId id="259" r:id="rId4"/>
     <p:sldId id="260" r:id="rId5"/>
     <p:sldId id="261" r:id="rId6"/>
+    <p:sldId id="262" r:id="rId7"/>
   </p:sldIdLst>
   <p:sldSz cx="6858000" cy="9906000" type="A4"/>
   <p:notesSz cx="6858000" cy="9144000"/>
@@ -14271,8 +14272,8 @@
         </p:blipFill>
         <p:spPr>
           <a:xfrm>
-            <a:off x="202207" y="4745794"/>
-            <a:ext cx="3147360" cy="1591077"/>
+            <a:off x="80024" y="4875576"/>
+            <a:ext cx="3395109" cy="1716321"/>
           </a:xfrm>
           <a:prstGeom prst="rect">
             <a:avLst/>
@@ -14716,201 +14717,8 @@
         </p:nvSpPr>
         <p:spPr>
           <a:xfrm>
-            <a:off x="168448" y="7065212"/>
-            <a:ext cx="1985069" cy="353994"/>
-          </a:xfrm>
-          <a:prstGeom prst="rect">
-            <a:avLst/>
-          </a:prstGeom>
-        </p:spPr>
-        <p:txBody>
-          <a:bodyPr vert="horz" lIns="91440" tIns="45720" rIns="91440" bIns="45720" rtlCol="0" anchor="ctr">
-            <a:normAutofit fontScale="97500"/>
-          </a:bodyPr>
-          <a:lstStyle>
-            <a:lvl1pPr algn="l" defTabSz="685800" rtl="0" eaLnBrk="1" latinLnBrk="0" hangingPunct="1">
-              <a:lnSpc>
-                <a:spcPct val="90000"/>
-              </a:lnSpc>
-              <a:spcBef>
-                <a:spcPct val="0"/>
-              </a:spcBef>
-              <a:buNone/>
-              <a:defRPr kumimoji="1" sz="3300" kern="1200">
-                <a:solidFill>
-                  <a:schemeClr val="tx1"/>
-                </a:solidFill>
-                <a:latin typeface="+mj-lt"/>
-                <a:ea typeface="+mj-ea"/>
-                <a:cs typeface="+mj-cs"/>
-              </a:defRPr>
-            </a:lvl1pPr>
-          </a:lstStyle>
-          <a:p>
-            <a:r>
-              <a:rPr lang="en-US" altLang="ja-JP" sz="700" b="1" i="1" dirty="0" smtClean="0">
-                <a:solidFill>
-                  <a:schemeClr val="bg1"/>
-                </a:solidFill>
-                <a:latin typeface="メイリオ" panose="020B0604030504040204" pitchFamily="50" charset="-128"/>
-                <a:ea typeface="メイリオ" panose="020B0604030504040204" pitchFamily="50" charset="-128"/>
-              </a:rPr>
-              <a:t>RQ1.</a:t>
-            </a:r>
-            <a:r>
-              <a:rPr lang="en-US" altLang="ja-JP" sz="700" b="1" dirty="0" smtClean="0">
-                <a:solidFill>
-                  <a:schemeClr val="bg1"/>
-                </a:solidFill>
-                <a:latin typeface="メイリオ" panose="020B0604030504040204" pitchFamily="50" charset="-128"/>
-                <a:ea typeface="メイリオ" panose="020B0604030504040204" pitchFamily="50" charset="-128"/>
-              </a:rPr>
-              <a:t> </a:t>
-            </a:r>
-            <a:r>
-              <a:rPr lang="en-US" altLang="ja-JP" sz="700" dirty="0" err="1" smtClean="0">
-                <a:solidFill>
-                  <a:schemeClr val="bg1"/>
-                </a:solidFill>
-                <a:latin typeface="メイリオ" panose="020B0604030504040204" pitchFamily="50" charset="-128"/>
-                <a:ea typeface="メイリオ" panose="020B0604030504040204" pitchFamily="50" charset="-128"/>
-              </a:rPr>
-              <a:t>SuiteRec</a:t>
-            </a:r>
-            <a:r>
-              <a:rPr lang="ja-JP" altLang="en-US" sz="700" dirty="0" smtClean="0">
-                <a:solidFill>
-                  <a:schemeClr val="bg1"/>
-                </a:solidFill>
-                <a:latin typeface="メイリオ" panose="020B0604030504040204" pitchFamily="50" charset="-128"/>
-                <a:ea typeface="メイリオ" panose="020B0604030504040204" pitchFamily="50" charset="-128"/>
-              </a:rPr>
-              <a:t>は、高いカバレッジを持つ</a:t>
-            </a:r>
-            <a:br>
-              <a:rPr lang="ja-JP" altLang="en-US" sz="700" dirty="0" smtClean="0">
-                <a:solidFill>
-                  <a:schemeClr val="bg1"/>
-                </a:solidFill>
-                <a:latin typeface="メイリオ" panose="020B0604030504040204" pitchFamily="50" charset="-128"/>
-                <a:ea typeface="メイリオ" panose="020B0604030504040204" pitchFamily="50" charset="-128"/>
-              </a:rPr>
-            </a:br>
-            <a:r>
-              <a:rPr lang="ja-JP" altLang="en-US" sz="700" dirty="0" smtClean="0">
-                <a:solidFill>
-                  <a:schemeClr val="bg1"/>
-                </a:solidFill>
-                <a:latin typeface="メイリオ" panose="020B0604030504040204" pitchFamily="50" charset="-128"/>
-                <a:ea typeface="メイリオ" panose="020B0604030504040204" pitchFamily="50" charset="-128"/>
-              </a:rPr>
-              <a:t>        テストコードの作成を支援できるか？</a:t>
-            </a:r>
-            <a:endParaRPr lang="ja-JP" altLang="en-US" sz="700" dirty="0">
-              <a:solidFill>
-                <a:schemeClr val="bg1"/>
-              </a:solidFill>
-              <a:latin typeface="メイリオ" panose="020B0604030504040204" pitchFamily="50" charset="-128"/>
-              <a:ea typeface="メイリオ" panose="020B0604030504040204" pitchFamily="50" charset="-128"/>
-            </a:endParaRPr>
-          </a:p>
-        </p:txBody>
-      </p:sp>
-      <p:sp>
-        <p:nvSpPr>
-          <p:cNvPr id="10" name="正方形/長方形 9"/>
-          <p:cNvSpPr/>
-          <p:nvPr/>
-        </p:nvSpPr>
-        <p:spPr>
-          <a:xfrm>
-            <a:off x="2392004" y="7078863"/>
-            <a:ext cx="2148972" cy="307777"/>
-          </a:xfrm>
-          <a:prstGeom prst="rect">
-            <a:avLst/>
-          </a:prstGeom>
-        </p:spPr>
-        <p:txBody>
-          <a:bodyPr wrap="square">
-            <a:spAutoFit/>
-          </a:bodyPr>
-          <a:lstStyle/>
-          <a:p>
-            <a:r>
-              <a:rPr lang="en-US" altLang="ja-JP" sz="700" b="1" i="1" dirty="0">
-                <a:solidFill>
-                  <a:schemeClr val="bg1"/>
-                </a:solidFill>
-                <a:latin typeface="メイリオ" panose="020B0604030504040204" pitchFamily="50" charset="-128"/>
-                <a:ea typeface="メイリオ" panose="020B0604030504040204" pitchFamily="50" charset="-128"/>
-              </a:rPr>
-              <a:t>RQ2. </a:t>
-            </a:r>
-            <a:r>
-              <a:rPr lang="en-US" altLang="ja-JP" sz="700" dirty="0" err="1">
-                <a:solidFill>
-                  <a:schemeClr val="bg1"/>
-                </a:solidFill>
-                <a:latin typeface="メイリオ" panose="020B0604030504040204" pitchFamily="50" charset="-128"/>
-                <a:ea typeface="メイリオ" panose="020B0604030504040204" pitchFamily="50" charset="-128"/>
-              </a:rPr>
-              <a:t>SuiteRec</a:t>
-            </a:r>
-            <a:r>
-              <a:rPr lang="ja-JP" altLang="en-US" sz="700" dirty="0">
-                <a:solidFill>
-                  <a:schemeClr val="bg1"/>
-                </a:solidFill>
-                <a:latin typeface="メイリオ" panose="020B0604030504040204" pitchFamily="50" charset="-128"/>
-                <a:ea typeface="メイリオ" panose="020B0604030504040204" pitchFamily="50" charset="-128"/>
-              </a:rPr>
-              <a:t>は、テストコードの作成時間を</a:t>
-            </a:r>
-            <a:r>
-              <a:rPr lang="en-US" altLang="ja-JP" sz="700" dirty="0">
-                <a:solidFill>
-                  <a:schemeClr val="bg1"/>
-                </a:solidFill>
-                <a:latin typeface="メイリオ" panose="020B0604030504040204" pitchFamily="50" charset="-128"/>
-                <a:ea typeface="メイリオ" panose="020B0604030504040204" pitchFamily="50" charset="-128"/>
-              </a:rPr>
-              <a:t/>
-            </a:r>
-            <a:br>
-              <a:rPr lang="en-US" altLang="ja-JP" sz="700" dirty="0">
-                <a:solidFill>
-                  <a:schemeClr val="bg1"/>
-                </a:solidFill>
-                <a:latin typeface="メイリオ" panose="020B0604030504040204" pitchFamily="50" charset="-128"/>
-                <a:ea typeface="メイリオ" panose="020B0604030504040204" pitchFamily="50" charset="-128"/>
-              </a:rPr>
-            </a:br>
-            <a:r>
-              <a:rPr lang="ja-JP" altLang="en-US" sz="700" dirty="0">
-                <a:solidFill>
-                  <a:schemeClr val="bg1"/>
-                </a:solidFill>
-                <a:latin typeface="メイリオ" panose="020B0604030504040204" pitchFamily="50" charset="-128"/>
-                <a:ea typeface="メイリオ" panose="020B0604030504040204" pitchFamily="50" charset="-128"/>
-              </a:rPr>
-              <a:t>　　　削減できるか？</a:t>
-            </a:r>
-          </a:p>
-        </p:txBody>
-      </p:sp>
-      <p:sp>
-        <p:nvSpPr>
-          <p:cNvPr id="42" name="タイトル 2"/>
-          <p:cNvSpPr txBox="1">
-            <a:spLocks/>
-          </p:cNvSpPr>
-          <p:nvPr/>
-        </p:nvSpPr>
-        <p:spPr>
-          <a:xfrm>
-            <a:off x="4596818" y="6986279"/>
-            <a:ext cx="2261181" cy="500704"/>
+            <a:off x="106530" y="7065212"/>
+            <a:ext cx="2279477" cy="353994"/>
           </a:xfrm>
           <a:prstGeom prst="rect">
             <a:avLst/>
@@ -14941,6 +14749,229 @@
           </a:lstStyle>
           <a:p>
             <a:r>
+              <a:rPr lang="en-US" altLang="ja-JP" sz="800" b="1" i="1" dirty="0" smtClean="0">
+                <a:solidFill>
+                  <a:schemeClr val="bg1"/>
+                </a:solidFill>
+                <a:latin typeface="メイリオ" panose="020B0604030504040204" pitchFamily="50" charset="-128"/>
+                <a:ea typeface="メイリオ" panose="020B0604030504040204" pitchFamily="50" charset="-128"/>
+              </a:rPr>
+              <a:t>RQ1.</a:t>
+            </a:r>
+            <a:r>
+              <a:rPr lang="en-US" altLang="ja-JP" sz="800" b="1" dirty="0" smtClean="0">
+                <a:solidFill>
+                  <a:schemeClr val="bg1"/>
+                </a:solidFill>
+                <a:latin typeface="メイリオ" panose="020B0604030504040204" pitchFamily="50" charset="-128"/>
+                <a:ea typeface="メイリオ" panose="020B0604030504040204" pitchFamily="50" charset="-128"/>
+              </a:rPr>
+              <a:t> </a:t>
+            </a:r>
+            <a:r>
+              <a:rPr lang="en-US" altLang="ja-JP" sz="800" dirty="0" err="1" smtClean="0">
+                <a:solidFill>
+                  <a:schemeClr val="bg1"/>
+                </a:solidFill>
+                <a:latin typeface="メイリオ" panose="020B0604030504040204" pitchFamily="50" charset="-128"/>
+                <a:ea typeface="メイリオ" panose="020B0604030504040204" pitchFamily="50" charset="-128"/>
+              </a:rPr>
+              <a:t>SuiteRec</a:t>
+            </a:r>
+            <a:r>
+              <a:rPr lang="ja-JP" altLang="en-US" sz="800" dirty="0" smtClean="0">
+                <a:solidFill>
+                  <a:schemeClr val="bg1"/>
+                </a:solidFill>
+                <a:latin typeface="メイリオ" panose="020B0604030504040204" pitchFamily="50" charset="-128"/>
+                <a:ea typeface="メイリオ" panose="020B0604030504040204" pitchFamily="50" charset="-128"/>
+              </a:rPr>
+              <a:t>は、高いカバレッジを持つ</a:t>
+            </a:r>
+            <a:br>
+              <a:rPr lang="ja-JP" altLang="en-US" sz="800" dirty="0" smtClean="0">
+                <a:solidFill>
+                  <a:schemeClr val="bg1"/>
+                </a:solidFill>
+                <a:latin typeface="メイリオ" panose="020B0604030504040204" pitchFamily="50" charset="-128"/>
+                <a:ea typeface="メイリオ" panose="020B0604030504040204" pitchFamily="50" charset="-128"/>
+              </a:rPr>
+            </a:br>
+            <a:r>
+              <a:rPr lang="ja-JP" altLang="en-US" sz="800" dirty="0" smtClean="0">
+                <a:solidFill>
+                  <a:schemeClr val="bg1"/>
+                </a:solidFill>
+                <a:latin typeface="メイリオ" panose="020B0604030504040204" pitchFamily="50" charset="-128"/>
+                <a:ea typeface="メイリオ" panose="020B0604030504040204" pitchFamily="50" charset="-128"/>
+              </a:rPr>
+              <a:t>        テストコードの作成を支援できるか？</a:t>
+            </a:r>
+            <a:endParaRPr lang="ja-JP" altLang="en-US" sz="800" dirty="0">
+              <a:solidFill>
+                <a:schemeClr val="bg1"/>
+              </a:solidFill>
+              <a:latin typeface="メイリオ" panose="020B0604030504040204" pitchFamily="50" charset="-128"/>
+              <a:ea typeface="メイリオ" panose="020B0604030504040204" pitchFamily="50" charset="-128"/>
+            </a:endParaRPr>
+          </a:p>
+        </p:txBody>
+      </p:sp>
+      <p:sp>
+        <p:nvSpPr>
+          <p:cNvPr id="10" name="正方形/長方形 9"/>
+          <p:cNvSpPr/>
+          <p:nvPr/>
+        </p:nvSpPr>
+        <p:spPr>
+          <a:xfrm>
+            <a:off x="2349141" y="7078863"/>
+            <a:ext cx="2422884" cy="338554"/>
+          </a:xfrm>
+          <a:prstGeom prst="rect">
+            <a:avLst/>
+          </a:prstGeom>
+        </p:spPr>
+        <p:txBody>
+          <a:bodyPr wrap="square">
+            <a:spAutoFit/>
+          </a:bodyPr>
+          <a:lstStyle/>
+          <a:p>
+            <a:r>
+              <a:rPr lang="en-US" altLang="ja-JP" sz="800" b="1" i="1" dirty="0">
+                <a:solidFill>
+                  <a:schemeClr val="bg1"/>
+                </a:solidFill>
+                <a:latin typeface="メイリオ" panose="020B0604030504040204" pitchFamily="50" charset="-128"/>
+                <a:ea typeface="メイリオ" panose="020B0604030504040204" pitchFamily="50" charset="-128"/>
+              </a:rPr>
+              <a:t>RQ2. </a:t>
+            </a:r>
+            <a:r>
+              <a:rPr lang="en-US" altLang="ja-JP" sz="800" dirty="0" err="1">
+                <a:solidFill>
+                  <a:schemeClr val="bg1"/>
+                </a:solidFill>
+                <a:latin typeface="メイリオ" panose="020B0604030504040204" pitchFamily="50" charset="-128"/>
+                <a:ea typeface="メイリオ" panose="020B0604030504040204" pitchFamily="50" charset="-128"/>
+              </a:rPr>
+              <a:t>SuiteRec</a:t>
+            </a:r>
+            <a:r>
+              <a:rPr lang="ja-JP" altLang="en-US" sz="800" dirty="0">
+                <a:solidFill>
+                  <a:schemeClr val="bg1"/>
+                </a:solidFill>
+                <a:latin typeface="メイリオ" panose="020B0604030504040204" pitchFamily="50" charset="-128"/>
+                <a:ea typeface="メイリオ" panose="020B0604030504040204" pitchFamily="50" charset="-128"/>
+              </a:rPr>
+              <a:t>は、テストコードの</a:t>
+            </a:r>
+            <a:r>
+              <a:rPr lang="ja-JP" altLang="en-US" sz="800" dirty="0" smtClean="0">
+                <a:solidFill>
+                  <a:schemeClr val="bg1"/>
+                </a:solidFill>
+                <a:latin typeface="メイリオ" panose="020B0604030504040204" pitchFamily="50" charset="-128"/>
+                <a:ea typeface="メイリオ" panose="020B0604030504040204" pitchFamily="50" charset="-128"/>
+              </a:rPr>
+              <a:t>作成</a:t>
+            </a:r>
+            <a:r>
+              <a:rPr lang="en-US" altLang="ja-JP" sz="800" dirty="0" smtClean="0">
+                <a:solidFill>
+                  <a:schemeClr val="bg1"/>
+                </a:solidFill>
+                <a:latin typeface="メイリオ" panose="020B0604030504040204" pitchFamily="50" charset="-128"/>
+                <a:ea typeface="メイリオ" panose="020B0604030504040204" pitchFamily="50" charset="-128"/>
+              </a:rPr>
+              <a:t/>
+            </a:r>
+            <a:br>
+              <a:rPr lang="en-US" altLang="ja-JP" sz="800" dirty="0" smtClean="0">
+                <a:solidFill>
+                  <a:schemeClr val="bg1"/>
+                </a:solidFill>
+                <a:latin typeface="メイリオ" panose="020B0604030504040204" pitchFamily="50" charset="-128"/>
+                <a:ea typeface="メイリオ" panose="020B0604030504040204" pitchFamily="50" charset="-128"/>
+              </a:rPr>
+            </a:br>
+            <a:r>
+              <a:rPr lang="en-US" altLang="ja-JP" sz="800" dirty="0" smtClean="0">
+                <a:solidFill>
+                  <a:schemeClr val="bg1"/>
+                </a:solidFill>
+                <a:latin typeface="メイリオ" panose="020B0604030504040204" pitchFamily="50" charset="-128"/>
+                <a:ea typeface="メイリオ" panose="020B0604030504040204" pitchFamily="50" charset="-128"/>
+              </a:rPr>
+              <a:t>        </a:t>
+            </a:r>
+            <a:r>
+              <a:rPr lang="ja-JP" altLang="en-US" sz="800" dirty="0" smtClean="0">
+                <a:solidFill>
+                  <a:schemeClr val="bg1"/>
+                </a:solidFill>
+                <a:latin typeface="メイリオ" panose="020B0604030504040204" pitchFamily="50" charset="-128"/>
+                <a:ea typeface="メイリオ" panose="020B0604030504040204" pitchFamily="50" charset="-128"/>
+              </a:rPr>
+              <a:t>時間を削減</a:t>
+            </a:r>
+            <a:r>
+              <a:rPr lang="ja-JP" altLang="en-US" sz="800" dirty="0">
+                <a:solidFill>
+                  <a:schemeClr val="bg1"/>
+                </a:solidFill>
+                <a:latin typeface="メイリオ" panose="020B0604030504040204" pitchFamily="50" charset="-128"/>
+                <a:ea typeface="メイリオ" panose="020B0604030504040204" pitchFamily="50" charset="-128"/>
+              </a:rPr>
+              <a:t>できるか？</a:t>
+            </a:r>
+          </a:p>
+        </p:txBody>
+      </p:sp>
+      <p:sp>
+        <p:nvSpPr>
+          <p:cNvPr id="42" name="タイトル 2"/>
+          <p:cNvSpPr txBox="1">
+            <a:spLocks/>
+          </p:cNvSpPr>
+          <p:nvPr/>
+        </p:nvSpPr>
+        <p:spPr>
+          <a:xfrm>
+            <a:off x="4596818" y="6986279"/>
+            <a:ext cx="2261181" cy="500704"/>
+          </a:xfrm>
+          <a:prstGeom prst="rect">
+            <a:avLst/>
+          </a:prstGeom>
+        </p:spPr>
+        <p:txBody>
+          <a:bodyPr vert="horz" lIns="91440" tIns="45720" rIns="91440" bIns="45720" rtlCol="0" anchor="ctr">
+            <a:noAutofit/>
+          </a:bodyPr>
+          <a:lstStyle>
+            <a:lvl1pPr algn="l" defTabSz="685800" rtl="0" eaLnBrk="1" latinLnBrk="0" hangingPunct="1">
+              <a:lnSpc>
+                <a:spcPct val="90000"/>
+              </a:lnSpc>
+              <a:spcBef>
+                <a:spcPct val="0"/>
+              </a:spcBef>
+              <a:buNone/>
+              <a:defRPr kumimoji="1" sz="3300" kern="1200">
+                <a:solidFill>
+                  <a:schemeClr val="tx1"/>
+                </a:solidFill>
+                <a:latin typeface="+mj-lt"/>
+                <a:ea typeface="+mj-ea"/>
+                <a:cs typeface="+mj-cs"/>
+              </a:defRPr>
+            </a:lvl1pPr>
+          </a:lstStyle>
+          <a:p>
+            <a:r>
               <a:rPr lang="en-US" altLang="ja-JP" sz="700" b="1" i="1" dirty="0" smtClean="0">
                 <a:solidFill>
                   <a:schemeClr val="bg1"/>
@@ -15105,6 +15136,1543 @@
     <p:extLst>
       <p:ext uri="{BB962C8B-B14F-4D97-AF65-F5344CB8AC3E}">
         <p14:creationId xmlns:p14="http://schemas.microsoft.com/office/powerpoint/2010/main" val="670474816"/>
+      </p:ext>
+    </p:extLst>
+  </p:cSld>
+  <p:clrMapOvr>
+    <a:masterClrMapping/>
+  </p:clrMapOvr>
+  <p:timing>
+    <p:tnLst>
+      <p:par>
+        <p:cTn id="1" dur="indefinite" restart="never" nodeType="tmRoot"/>
+      </p:par>
+    </p:tnLst>
+  </p:timing>
+</p:sld>
+</file>
+
+<file path=ppt/slides/slide6.xml><?xml version="1.0" encoding="utf-8"?>
+<p:sld xmlns:a="http://schemas.openxmlformats.org/drawingml/2006/main" xmlns:r="http://schemas.openxmlformats.org/officeDocument/2006/relationships" xmlns:p="http://schemas.openxmlformats.org/presentationml/2006/main">
+  <p:cSld>
+    <p:spTree>
+      <p:nvGrpSpPr>
+        <p:cNvPr id="1" name=""/>
+        <p:cNvGrpSpPr/>
+        <p:nvPr/>
+      </p:nvGrpSpPr>
+      <p:grpSpPr>
+        <a:xfrm>
+          <a:off x="0" y="0"/>
+          <a:ext cx="0" cy="0"/>
+          <a:chOff x="0" y="0"/>
+          <a:chExt cx="0" cy="0"/>
+        </a:xfrm>
+      </p:grpSpPr>
+      <p:sp>
+        <p:nvSpPr>
+          <p:cNvPr id="4" name="正方形/長方形 3"/>
+          <p:cNvSpPr/>
+          <p:nvPr/>
+        </p:nvSpPr>
+        <p:spPr>
+          <a:xfrm>
+            <a:off x="0" y="0"/>
+            <a:ext cx="6858000" cy="1420837"/>
+          </a:xfrm>
+          <a:prstGeom prst="rect">
+            <a:avLst/>
+          </a:prstGeom>
+          <a:gradFill>
+            <a:gsLst>
+              <a:gs pos="0">
+                <a:schemeClr val="accent3">
+                  <a:lumMod val="60000"/>
+                  <a:lumOff val="40000"/>
+                </a:schemeClr>
+              </a:gs>
+              <a:gs pos="100000">
+                <a:srgbClr val="FFFFFF"/>
+              </a:gs>
+            </a:gsLst>
+            <a:lin ang="5400000" scaled="1"/>
+          </a:gradFill>
+          <a:ln>
+            <a:noFill/>
+          </a:ln>
+        </p:spPr>
+        <p:style>
+          <a:lnRef idx="2">
+            <a:schemeClr val="accent1">
+              <a:shade val="50000"/>
+            </a:schemeClr>
+          </a:lnRef>
+          <a:fillRef idx="1">
+            <a:schemeClr val="accent1"/>
+          </a:fillRef>
+          <a:effectRef idx="0">
+            <a:schemeClr val="accent1"/>
+          </a:effectRef>
+          <a:fontRef idx="minor">
+            <a:schemeClr val="lt1"/>
+          </a:fontRef>
+        </p:style>
+        <p:txBody>
+          <a:bodyPr rtlCol="0" anchor="ctr"/>
+          <a:lstStyle/>
+          <a:p>
+            <a:pPr algn="ctr"/>
+            <a:endParaRPr kumimoji="1" lang="ja-JP" altLang="en-US"/>
+          </a:p>
+        </p:txBody>
+      </p:sp>
+      <p:sp>
+        <p:nvSpPr>
+          <p:cNvPr id="5" name="正方形/長方形 4"/>
+          <p:cNvSpPr/>
+          <p:nvPr/>
+        </p:nvSpPr>
+        <p:spPr>
+          <a:xfrm rot="10800000">
+            <a:off x="-1" y="8755286"/>
+            <a:ext cx="6858000" cy="1150714"/>
+          </a:xfrm>
+          <a:prstGeom prst="rect">
+            <a:avLst/>
+          </a:prstGeom>
+          <a:gradFill>
+            <a:gsLst>
+              <a:gs pos="0">
+                <a:schemeClr val="accent3">
+                  <a:lumMod val="60000"/>
+                  <a:lumOff val="40000"/>
+                </a:schemeClr>
+              </a:gs>
+              <a:gs pos="100000">
+                <a:srgbClr val="FFFFFF"/>
+              </a:gs>
+            </a:gsLst>
+            <a:lin ang="5400000" scaled="1"/>
+          </a:gradFill>
+          <a:ln>
+            <a:noFill/>
+          </a:ln>
+        </p:spPr>
+        <p:style>
+          <a:lnRef idx="2">
+            <a:schemeClr val="accent1">
+              <a:shade val="50000"/>
+            </a:schemeClr>
+          </a:lnRef>
+          <a:fillRef idx="1">
+            <a:schemeClr val="accent1"/>
+          </a:fillRef>
+          <a:effectRef idx="0">
+            <a:schemeClr val="accent1"/>
+          </a:effectRef>
+          <a:fontRef idx="minor">
+            <a:schemeClr val="lt1"/>
+          </a:fontRef>
+        </p:style>
+        <p:txBody>
+          <a:bodyPr rtlCol="0" anchor="ctr"/>
+          <a:lstStyle/>
+          <a:p>
+            <a:pPr algn="ctr"/>
+            <a:endParaRPr kumimoji="1" lang="ja-JP" altLang="en-US"/>
+          </a:p>
+        </p:txBody>
+      </p:sp>
+      <p:pic>
+        <p:nvPicPr>
+          <p:cNvPr id="7" name="コンテンツ プレースホルダー 6"/>
+          <p:cNvPicPr>
+            <a:picLocks noGrp="1" noChangeAspect="1"/>
+          </p:cNvPicPr>
+          <p:nvPr>
+            <p:ph idx="1"/>
+          </p:nvPr>
+        </p:nvPicPr>
+        <p:blipFill>
+          <a:blip r:embed="rId2">
+            <a:extLst>
+              <a:ext uri="{28A0092B-C50C-407E-A947-70E740481C1C}">
+                <a14:useLocalDpi xmlns:a14="http://schemas.microsoft.com/office/drawing/2010/main" val="0"/>
+              </a:ext>
+            </a:extLst>
+          </a:blip>
+          <a:stretch>
+            <a:fillRect/>
+          </a:stretch>
+        </p:blipFill>
+        <p:spPr>
+          <a:xfrm>
+            <a:off x="83974" y="155852"/>
+            <a:ext cx="878543" cy="839009"/>
+          </a:xfrm>
+        </p:spPr>
+      </p:pic>
+      <p:pic>
+        <p:nvPicPr>
+          <p:cNvPr id="8" name="図 7"/>
+          <p:cNvPicPr>
+            <a:picLocks noChangeAspect="1"/>
+          </p:cNvPicPr>
+          <p:nvPr/>
+        </p:nvPicPr>
+        <p:blipFill>
+          <a:blip r:embed="rId3" cstate="print">
+            <a:extLst>
+              <a:ext uri="{28A0092B-C50C-407E-A947-70E740481C1C}">
+                <a14:useLocalDpi xmlns:a14="http://schemas.microsoft.com/office/drawing/2010/main" val="0"/>
+              </a:ext>
+            </a:extLst>
+          </a:blip>
+          <a:stretch>
+            <a:fillRect/>
+          </a:stretch>
+        </p:blipFill>
+        <p:spPr>
+          <a:xfrm>
+            <a:off x="257451" y="9260152"/>
+            <a:ext cx="1538998" cy="419215"/>
+          </a:xfrm>
+          <a:prstGeom prst="rect">
+            <a:avLst/>
+          </a:prstGeom>
+        </p:spPr>
+      </p:pic>
+      <p:sp>
+        <p:nvSpPr>
+          <p:cNvPr id="2" name="タイトル 1"/>
+          <p:cNvSpPr>
+            <a:spLocks noGrp="1"/>
+          </p:cNvSpPr>
+          <p:nvPr>
+            <p:ph type="title"/>
+          </p:nvPr>
+        </p:nvSpPr>
+        <p:spPr>
+          <a:xfrm>
+            <a:off x="1026950" y="150800"/>
+            <a:ext cx="5648986" cy="844061"/>
+          </a:xfrm>
+        </p:spPr>
+        <p:txBody>
+          <a:bodyPr>
+            <a:normAutofit/>
+          </a:bodyPr>
+          <a:lstStyle/>
+          <a:p>
+            <a:r>
+              <a:rPr lang="ja-JP" altLang="en-US" sz="2000" b="1" dirty="0" smtClean="0">
+                <a:latin typeface="メイリオ" panose="020B0604030504040204" pitchFamily="50" charset="-128"/>
+                <a:ea typeface="メイリオ" panose="020B0604030504040204" pitchFamily="50" charset="-128"/>
+              </a:rPr>
+              <a:t>ソース</a:t>
+            </a:r>
+            <a:r>
+              <a:rPr lang="ja-JP" altLang="en-US" sz="2000" b="1" dirty="0">
+                <a:latin typeface="メイリオ" panose="020B0604030504040204" pitchFamily="50" charset="-128"/>
+                <a:ea typeface="メイリオ" panose="020B0604030504040204" pitchFamily="50" charset="-128"/>
+              </a:rPr>
+              <a:t>コード</a:t>
+            </a:r>
+            <a:r>
+              <a:rPr lang="ja-JP" altLang="en-US" sz="2000" b="1" dirty="0" smtClean="0">
+                <a:latin typeface="メイリオ" panose="020B0604030504040204" pitchFamily="50" charset="-128"/>
+                <a:ea typeface="メイリオ" panose="020B0604030504040204" pitchFamily="50" charset="-128"/>
+              </a:rPr>
+              <a:t>の類似性に基づいたテストコード自動推薦ツール</a:t>
+            </a:r>
+            <a:r>
+              <a:rPr lang="en-US" altLang="ja-JP" sz="2000" b="1" dirty="0" err="1" smtClean="0">
+                <a:latin typeface="メイリオ" panose="020B0604030504040204" pitchFamily="50" charset="-128"/>
+                <a:ea typeface="メイリオ" panose="020B0604030504040204" pitchFamily="50" charset="-128"/>
+              </a:rPr>
+              <a:t>SuiteRec</a:t>
+            </a:r>
+            <a:endParaRPr kumimoji="1" lang="ja-JP" altLang="en-US" sz="2000" b="1" dirty="0">
+              <a:latin typeface="メイリオ" panose="020B0604030504040204" pitchFamily="50" charset="-128"/>
+              <a:ea typeface="メイリオ" panose="020B0604030504040204" pitchFamily="50" charset="-128"/>
+            </a:endParaRPr>
+          </a:p>
+        </p:txBody>
+      </p:sp>
+      <p:sp>
+        <p:nvSpPr>
+          <p:cNvPr id="11" name="テキスト ボックス 10"/>
+          <p:cNvSpPr txBox="1"/>
+          <p:nvPr/>
+        </p:nvSpPr>
+        <p:spPr>
+          <a:xfrm>
+            <a:off x="4470614" y="752964"/>
+            <a:ext cx="2332243" cy="276999"/>
+          </a:xfrm>
+          <a:prstGeom prst="rect">
+            <a:avLst/>
+          </a:prstGeom>
+          <a:noFill/>
+        </p:spPr>
+        <p:txBody>
+          <a:bodyPr wrap="square" rtlCol="0">
+            <a:spAutoFit/>
+          </a:bodyPr>
+          <a:lstStyle/>
+          <a:p>
+            <a:r>
+              <a:rPr lang="ja-JP" altLang="en-US" sz="1200" dirty="0" smtClean="0">
+                <a:latin typeface="メイリオ" panose="020B0604030504040204" pitchFamily="50" charset="-128"/>
+                <a:ea typeface="メイリオ" panose="020B0604030504040204" pitchFamily="50" charset="-128"/>
+              </a:rPr>
+              <a:t>倉地亮介</a:t>
+            </a:r>
+            <a:r>
+              <a:rPr lang="en-US" altLang="ja-JP" sz="1200" baseline="30000" dirty="0" smtClean="0">
+                <a:latin typeface="メイリオ" panose="020B0604030504040204" pitchFamily="50" charset="-128"/>
+                <a:ea typeface="メイリオ" panose="020B0604030504040204" pitchFamily="50" charset="-128"/>
+              </a:rPr>
+              <a:t>1</a:t>
+            </a:r>
+            <a:r>
+              <a:rPr lang="ja-JP" altLang="en-US" sz="1200" dirty="0" err="1" smtClean="0">
+                <a:latin typeface="メイリオ" panose="020B0604030504040204" pitchFamily="50" charset="-128"/>
+                <a:ea typeface="メイリオ" panose="020B0604030504040204" pitchFamily="50" charset="-128"/>
+              </a:rPr>
+              <a:t>，</a:t>
+            </a:r>
+            <a:r>
+              <a:rPr lang="ja-JP" altLang="en-US" sz="1200" dirty="0" smtClean="0">
+                <a:latin typeface="メイリオ" panose="020B0604030504040204" pitchFamily="50" charset="-128"/>
+                <a:ea typeface="メイリオ" panose="020B0604030504040204" pitchFamily="50" charset="-128"/>
+              </a:rPr>
+              <a:t>崔 </a:t>
+            </a:r>
+            <a:r>
+              <a:rPr lang="ja-JP" altLang="en-US" sz="1200" dirty="0">
+                <a:latin typeface="メイリオ" panose="020B0604030504040204" pitchFamily="50" charset="-128"/>
+                <a:ea typeface="メイリオ" panose="020B0604030504040204" pitchFamily="50" charset="-128"/>
+              </a:rPr>
+              <a:t>恩</a:t>
+            </a:r>
+            <a:r>
+              <a:rPr lang="ja-JP" altLang="en-US" sz="1200" dirty="0" smtClean="0">
+                <a:latin typeface="メイリオ" panose="020B0604030504040204" pitchFamily="50" charset="-128"/>
+                <a:ea typeface="メイリオ" panose="020B0604030504040204" pitchFamily="50" charset="-128"/>
+              </a:rPr>
+              <a:t>瀞</a:t>
+            </a:r>
+            <a:r>
+              <a:rPr lang="en-US" altLang="ja-JP" sz="1200" baseline="30000" dirty="0" smtClean="0">
+                <a:latin typeface="メイリオ" panose="020B0604030504040204" pitchFamily="50" charset="-128"/>
+                <a:ea typeface="メイリオ" panose="020B0604030504040204" pitchFamily="50" charset="-128"/>
+              </a:rPr>
+              <a:t>2</a:t>
+            </a:r>
+            <a:r>
+              <a:rPr lang="ja-JP" altLang="en-US" sz="1200" dirty="0" err="1" smtClean="0">
+                <a:latin typeface="メイリオ" panose="020B0604030504040204" pitchFamily="50" charset="-128"/>
+                <a:ea typeface="メイリオ" panose="020B0604030504040204" pitchFamily="50" charset="-128"/>
+              </a:rPr>
+              <a:t>，</a:t>
+            </a:r>
+            <a:r>
+              <a:rPr lang="ja-JP" altLang="en-US" sz="1200" dirty="0" smtClean="0">
+                <a:latin typeface="メイリオ" panose="020B0604030504040204" pitchFamily="50" charset="-128"/>
+                <a:ea typeface="メイリオ" panose="020B0604030504040204" pitchFamily="50" charset="-128"/>
+              </a:rPr>
+              <a:t>飯田 元</a:t>
+            </a:r>
+            <a:r>
+              <a:rPr lang="en-US" altLang="ja-JP" sz="1200" baseline="30000" dirty="0" smtClean="0">
+                <a:latin typeface="メイリオ" panose="020B0604030504040204" pitchFamily="50" charset="-128"/>
+                <a:ea typeface="メイリオ" panose="020B0604030504040204" pitchFamily="50" charset="-128"/>
+              </a:rPr>
+              <a:t>1</a:t>
+            </a:r>
+            <a:endParaRPr lang="en-US" altLang="ja-JP" sz="1200" dirty="0">
+              <a:latin typeface="メイリオ" panose="020B0604030504040204" pitchFamily="50" charset="-128"/>
+              <a:ea typeface="メイリオ" panose="020B0604030504040204" pitchFamily="50" charset="-128"/>
+            </a:endParaRPr>
+          </a:p>
+        </p:txBody>
+      </p:sp>
+      <p:pic>
+        <p:nvPicPr>
+          <p:cNvPr id="15" name="図 14"/>
+          <p:cNvPicPr>
+            <a:picLocks noChangeAspect="1"/>
+          </p:cNvPicPr>
+          <p:nvPr/>
+        </p:nvPicPr>
+        <p:blipFill>
+          <a:blip r:embed="rId4" cstate="print">
+            <a:extLst>
+              <a:ext uri="{28A0092B-C50C-407E-A947-70E740481C1C}">
+                <a14:useLocalDpi xmlns:a14="http://schemas.microsoft.com/office/drawing/2010/main" val="0"/>
+              </a:ext>
+            </a:extLst>
+          </a:blip>
+          <a:stretch>
+            <a:fillRect/>
+          </a:stretch>
+        </p:blipFill>
+        <p:spPr>
+          <a:xfrm>
+            <a:off x="6046482" y="9075782"/>
+            <a:ext cx="687993" cy="650153"/>
+          </a:xfrm>
+          <a:prstGeom prst="rect">
+            <a:avLst/>
+          </a:prstGeom>
+        </p:spPr>
+      </p:pic>
+      <p:pic>
+        <p:nvPicPr>
+          <p:cNvPr id="18" name="図 17"/>
+          <p:cNvPicPr>
+            <a:picLocks noChangeAspect="1"/>
+          </p:cNvPicPr>
+          <p:nvPr/>
+        </p:nvPicPr>
+        <p:blipFill>
+          <a:blip r:embed="rId5"/>
+          <a:stretch>
+            <a:fillRect/>
+          </a:stretch>
+        </p:blipFill>
+        <p:spPr>
+          <a:xfrm>
+            <a:off x="1984452" y="9150911"/>
+            <a:ext cx="4102778" cy="637698"/>
+          </a:xfrm>
+          <a:prstGeom prst="rect">
+            <a:avLst/>
+          </a:prstGeom>
+        </p:spPr>
+      </p:pic>
+      <p:sp>
+        <p:nvSpPr>
+          <p:cNvPr id="19" name="テキスト ボックス 18"/>
+          <p:cNvSpPr txBox="1"/>
+          <p:nvPr/>
+        </p:nvSpPr>
+        <p:spPr>
+          <a:xfrm>
+            <a:off x="4444003" y="964092"/>
+            <a:ext cx="2314302" cy="200055"/>
+          </a:xfrm>
+          <a:prstGeom prst="rect">
+            <a:avLst/>
+          </a:prstGeom>
+          <a:noFill/>
+        </p:spPr>
+        <p:txBody>
+          <a:bodyPr wrap="square" rtlCol="0">
+            <a:spAutoFit/>
+          </a:bodyPr>
+          <a:lstStyle/>
+          <a:p>
+            <a:r>
+              <a:rPr lang="en-US" altLang="ja-JP" sz="700" dirty="0" smtClean="0">
+                <a:latin typeface="メイリオ" panose="020B0604030504040204" pitchFamily="50" charset="-128"/>
+                <a:ea typeface="メイリオ" panose="020B0604030504040204" pitchFamily="50" charset="-128"/>
+              </a:rPr>
+              <a:t>1</a:t>
+            </a:r>
+            <a:r>
+              <a:rPr lang="ja-JP" altLang="en-US" sz="700" dirty="0" smtClean="0">
+                <a:latin typeface="メイリオ" panose="020B0604030504040204" pitchFamily="50" charset="-128"/>
+                <a:ea typeface="メイリオ" panose="020B0604030504040204" pitchFamily="50" charset="-128"/>
+              </a:rPr>
+              <a:t>奈良</a:t>
+            </a:r>
+            <a:r>
+              <a:rPr lang="ja-JP" altLang="en-US" sz="700" dirty="0">
+                <a:latin typeface="メイリオ" panose="020B0604030504040204" pitchFamily="50" charset="-128"/>
+                <a:ea typeface="メイリオ" panose="020B0604030504040204" pitchFamily="50" charset="-128"/>
+              </a:rPr>
+              <a:t>先端科学技術大学院</a:t>
+            </a:r>
+            <a:r>
+              <a:rPr lang="ja-JP" altLang="en-US" sz="700" dirty="0" smtClean="0">
+                <a:latin typeface="メイリオ" panose="020B0604030504040204" pitchFamily="50" charset="-128"/>
+                <a:ea typeface="メイリオ" panose="020B0604030504040204" pitchFamily="50" charset="-128"/>
+              </a:rPr>
+              <a:t>大学  </a:t>
+            </a:r>
+            <a:r>
+              <a:rPr lang="en-US" altLang="ja-JP" sz="700" dirty="0" smtClean="0">
+                <a:latin typeface="メイリオ" panose="020B0604030504040204" pitchFamily="50" charset="-128"/>
+                <a:ea typeface="メイリオ" panose="020B0604030504040204" pitchFamily="50" charset="-128"/>
+              </a:rPr>
+              <a:t>2</a:t>
+            </a:r>
+            <a:r>
+              <a:rPr lang="ja-JP" altLang="en-US" sz="700" dirty="0">
+                <a:latin typeface="メイリオ" panose="020B0604030504040204" pitchFamily="50" charset="-128"/>
+                <a:ea typeface="メイリオ" panose="020B0604030504040204" pitchFamily="50" charset="-128"/>
+              </a:rPr>
+              <a:t>京都工芸繊維大学</a:t>
+            </a:r>
+            <a:endParaRPr kumimoji="1" lang="ja-JP" altLang="en-US" sz="700" dirty="0">
+              <a:latin typeface="メイリオ" panose="020B0604030504040204" pitchFamily="50" charset="-128"/>
+              <a:ea typeface="メイリオ" panose="020B0604030504040204" pitchFamily="50" charset="-128"/>
+            </a:endParaRPr>
+          </a:p>
+        </p:txBody>
+      </p:sp>
+      <p:cxnSp>
+        <p:nvCxnSpPr>
+          <p:cNvPr id="53" name="直線コネクタ 52"/>
+          <p:cNvCxnSpPr/>
+          <p:nvPr/>
+        </p:nvCxnSpPr>
+        <p:spPr>
+          <a:xfrm>
+            <a:off x="83974" y="4210586"/>
+            <a:ext cx="6654451" cy="0"/>
+          </a:xfrm>
+          <a:prstGeom prst="line">
+            <a:avLst/>
+          </a:prstGeom>
+          <a:ln w="19050">
+            <a:solidFill>
+              <a:schemeClr val="bg2">
+                <a:lumMod val="75000"/>
+              </a:schemeClr>
+            </a:solidFill>
+          </a:ln>
+        </p:spPr>
+        <p:style>
+          <a:lnRef idx="1">
+            <a:schemeClr val="accent1"/>
+          </a:lnRef>
+          <a:fillRef idx="0">
+            <a:schemeClr val="accent1"/>
+          </a:fillRef>
+          <a:effectRef idx="0">
+            <a:schemeClr val="accent1"/>
+          </a:effectRef>
+          <a:fontRef idx="minor">
+            <a:schemeClr val="tx1"/>
+          </a:fontRef>
+        </p:style>
+      </p:cxnSp>
+      <p:cxnSp>
+        <p:nvCxnSpPr>
+          <p:cNvPr id="57" name="直線コネクタ 56"/>
+          <p:cNvCxnSpPr/>
+          <p:nvPr/>
+        </p:nvCxnSpPr>
+        <p:spPr>
+          <a:xfrm>
+            <a:off x="80024" y="6932103"/>
+            <a:ext cx="6654451" cy="0"/>
+          </a:xfrm>
+          <a:prstGeom prst="line">
+            <a:avLst/>
+          </a:prstGeom>
+          <a:ln w="19050">
+            <a:solidFill>
+              <a:schemeClr val="bg2">
+                <a:lumMod val="75000"/>
+              </a:schemeClr>
+            </a:solidFill>
+          </a:ln>
+        </p:spPr>
+        <p:style>
+          <a:lnRef idx="1">
+            <a:schemeClr val="accent1"/>
+          </a:lnRef>
+          <a:fillRef idx="0">
+            <a:schemeClr val="accent1"/>
+          </a:fillRef>
+          <a:effectRef idx="0">
+            <a:schemeClr val="accent1"/>
+          </a:effectRef>
+          <a:fontRef idx="minor">
+            <a:schemeClr val="tx1"/>
+          </a:fontRef>
+        </p:style>
+      </p:cxnSp>
+      <p:pic>
+        <p:nvPicPr>
+          <p:cNvPr id="65" name="図 64"/>
+          <p:cNvPicPr>
+            <a:picLocks noChangeAspect="1"/>
+          </p:cNvPicPr>
+          <p:nvPr/>
+        </p:nvPicPr>
+        <p:blipFill rotWithShape="1">
+          <a:blip r:embed="rId6"/>
+          <a:srcRect l="17492" t="6732" r="17561" b="50108"/>
+          <a:stretch/>
+        </p:blipFill>
+        <p:spPr>
+          <a:xfrm>
+            <a:off x="3787439" y="4678807"/>
+            <a:ext cx="2407991" cy="1733555"/>
+          </a:xfrm>
+          <a:prstGeom prst="rect">
+            <a:avLst/>
+          </a:prstGeom>
+        </p:spPr>
+      </p:pic>
+      <p:sp>
+        <p:nvSpPr>
+          <p:cNvPr id="72" name="長方形 103">
+            <a:extLst>
+              <a:ext uri="{C183D7F6-B498-43B3-948B-1728B52AA6E4}">
+                <adec:decorative xmlns:adec="http://schemas.microsoft.com/office/drawing/2017/decorative" xmlns="" val="1"/>
+              </a:ext>
+            </a:extLst>
+          </p:cNvPr>
+          <p:cNvSpPr/>
+          <p:nvPr/>
+        </p:nvSpPr>
+        <p:spPr>
+          <a:xfrm>
+            <a:off x="168449" y="1837333"/>
+            <a:ext cx="2236763" cy="331819"/>
+          </a:xfrm>
+          <a:prstGeom prst="rect">
+            <a:avLst/>
+          </a:prstGeom>
+          <a:solidFill>
+            <a:srgbClr val="30353F">
+              <a:alpha val="86000"/>
+            </a:srgbClr>
+          </a:solidFill>
+          <a:ln>
+            <a:noFill/>
+          </a:ln>
+          <a:effectLst>
+            <a:outerShdw blurRad="50800" dist="76200" dir="2700000" algn="tl" rotWithShape="0">
+              <a:prstClr val="black">
+                <a:alpha val="40000"/>
+              </a:prstClr>
+            </a:outerShdw>
+          </a:effectLst>
+        </p:spPr>
+        <p:style>
+          <a:lnRef idx="2">
+            <a:schemeClr val="accent1">
+              <a:shade val="50000"/>
+            </a:schemeClr>
+          </a:lnRef>
+          <a:fillRef idx="1">
+            <a:schemeClr val="accent1"/>
+          </a:fillRef>
+          <a:effectRef idx="0">
+            <a:schemeClr val="accent1"/>
+          </a:effectRef>
+          <a:fontRef idx="minor">
+            <a:schemeClr val="lt1"/>
+          </a:fontRef>
+        </p:style>
+        <p:txBody>
+          <a:bodyPr wrap="square" rtlCol="0" anchor="ctr">
+            <a:noAutofit/>
+          </a:bodyPr>
+          <a:lstStyle/>
+          <a:p>
+            <a:pPr rtl="0"/>
+            <a:r>
+              <a:rPr lang="ja-JP" altLang="en-US" sz="1500" dirty="0" smtClean="0">
+                <a:latin typeface="メイリオ" panose="020B0604030504040204" pitchFamily="50" charset="-128"/>
+                <a:ea typeface="メイリオ" panose="020B0604030504040204" pitchFamily="50" charset="-128"/>
+              </a:rPr>
+              <a:t>ソフトウェアテスト</a:t>
+            </a:r>
+            <a:endParaRPr lang="ja-JP" altLang="en-US" sz="1500" dirty="0">
+              <a:latin typeface="メイリオ" panose="020B0604030504040204" pitchFamily="50" charset="-128"/>
+              <a:ea typeface="メイリオ" panose="020B0604030504040204" pitchFamily="50" charset="-128"/>
+            </a:endParaRPr>
+          </a:p>
+        </p:txBody>
+      </p:sp>
+      <p:pic>
+        <p:nvPicPr>
+          <p:cNvPr id="76" name="図 75"/>
+          <p:cNvPicPr>
+            <a:picLocks noChangeAspect="1"/>
+          </p:cNvPicPr>
+          <p:nvPr/>
+        </p:nvPicPr>
+        <p:blipFill>
+          <a:blip r:embed="rId7"/>
+          <a:stretch>
+            <a:fillRect/>
+          </a:stretch>
+        </p:blipFill>
+        <p:spPr>
+          <a:xfrm>
+            <a:off x="3026941" y="2270257"/>
+            <a:ext cx="3395109" cy="1716321"/>
+          </a:xfrm>
+          <a:prstGeom prst="rect">
+            <a:avLst/>
+          </a:prstGeom>
+        </p:spPr>
+      </p:pic>
+      <p:sp>
+        <p:nvSpPr>
+          <p:cNvPr id="77" name="長方形 103">
+            <a:extLst>
+              <a:ext uri="{C183D7F6-B498-43B3-948B-1728B52AA6E4}">
+                <adec:decorative xmlns:adec="http://schemas.microsoft.com/office/drawing/2017/decorative" xmlns="" val="1"/>
+              </a:ext>
+            </a:extLst>
+          </p:cNvPr>
+          <p:cNvSpPr/>
+          <p:nvPr/>
+        </p:nvSpPr>
+        <p:spPr>
+          <a:xfrm>
+            <a:off x="168449" y="4257336"/>
+            <a:ext cx="2236763" cy="331819"/>
+          </a:xfrm>
+          <a:prstGeom prst="rect">
+            <a:avLst/>
+          </a:prstGeom>
+          <a:solidFill>
+            <a:srgbClr val="30353F">
+              <a:alpha val="86000"/>
+            </a:srgbClr>
+          </a:solidFill>
+          <a:ln>
+            <a:noFill/>
+          </a:ln>
+          <a:effectLst>
+            <a:outerShdw blurRad="50800" dist="76200" dir="2700000" algn="tl" rotWithShape="0">
+              <a:prstClr val="black">
+                <a:alpha val="40000"/>
+              </a:prstClr>
+            </a:outerShdw>
+          </a:effectLst>
+        </p:spPr>
+        <p:style>
+          <a:lnRef idx="2">
+            <a:schemeClr val="accent1">
+              <a:shade val="50000"/>
+            </a:schemeClr>
+          </a:lnRef>
+          <a:fillRef idx="1">
+            <a:schemeClr val="accent1"/>
+          </a:fillRef>
+          <a:effectRef idx="0">
+            <a:schemeClr val="accent1"/>
+          </a:effectRef>
+          <a:fontRef idx="minor">
+            <a:schemeClr val="lt1"/>
+          </a:fontRef>
+        </p:style>
+        <p:txBody>
+          <a:bodyPr wrap="square" rtlCol="0" anchor="ctr">
+            <a:noAutofit/>
+          </a:bodyPr>
+          <a:lstStyle/>
+          <a:p>
+            <a:pPr rtl="0"/>
+            <a:r>
+              <a:rPr lang="en-US" altLang="ja-JP" sz="1500" dirty="0" err="1" smtClean="0">
+                <a:latin typeface="メイリオ" panose="020B0604030504040204" pitchFamily="50" charset="-128"/>
+                <a:ea typeface="メイリオ" panose="020B0604030504040204" pitchFamily="50" charset="-128"/>
+              </a:rPr>
+              <a:t>SuiteRec</a:t>
+            </a:r>
+            <a:r>
+              <a:rPr lang="ja-JP" altLang="en-US" sz="1500" dirty="0" smtClean="0">
+                <a:latin typeface="メイリオ" panose="020B0604030504040204" pitchFamily="50" charset="-128"/>
+                <a:ea typeface="メイリオ" panose="020B0604030504040204" pitchFamily="50" charset="-128"/>
+              </a:rPr>
+              <a:t>の概要</a:t>
+            </a:r>
+            <a:endParaRPr lang="ja-JP" altLang="en-US" sz="1500" dirty="0">
+              <a:latin typeface="メイリオ" panose="020B0604030504040204" pitchFamily="50" charset="-128"/>
+              <a:ea typeface="メイリオ" panose="020B0604030504040204" pitchFamily="50" charset="-128"/>
+            </a:endParaRPr>
+          </a:p>
+        </p:txBody>
+      </p:sp>
+      <p:sp>
+        <p:nvSpPr>
+          <p:cNvPr id="78" name="長方形 103">
+            <a:extLst>
+              <a:ext uri="{C183D7F6-B498-43B3-948B-1728B52AA6E4}">
+                <adec:decorative xmlns:adec="http://schemas.microsoft.com/office/drawing/2017/decorative" xmlns="" val="1"/>
+              </a:ext>
+            </a:extLst>
+          </p:cNvPr>
+          <p:cNvSpPr/>
+          <p:nvPr/>
+        </p:nvSpPr>
+        <p:spPr>
+          <a:xfrm>
+            <a:off x="3647858" y="4257335"/>
+            <a:ext cx="2513791" cy="331820"/>
+          </a:xfrm>
+          <a:prstGeom prst="rect">
+            <a:avLst/>
+          </a:prstGeom>
+          <a:solidFill>
+            <a:srgbClr val="30353F">
+              <a:alpha val="86000"/>
+            </a:srgbClr>
+          </a:solidFill>
+          <a:ln>
+            <a:noFill/>
+          </a:ln>
+          <a:effectLst>
+            <a:outerShdw blurRad="50800" dist="76200" dir="2700000" algn="tl" rotWithShape="0">
+              <a:prstClr val="black">
+                <a:alpha val="40000"/>
+              </a:prstClr>
+            </a:outerShdw>
+          </a:effectLst>
+        </p:spPr>
+        <p:style>
+          <a:lnRef idx="2">
+            <a:schemeClr val="accent1">
+              <a:shade val="50000"/>
+            </a:schemeClr>
+          </a:lnRef>
+          <a:fillRef idx="1">
+            <a:schemeClr val="accent1"/>
+          </a:fillRef>
+          <a:effectRef idx="0">
+            <a:schemeClr val="accent1"/>
+          </a:effectRef>
+          <a:fontRef idx="minor">
+            <a:schemeClr val="lt1"/>
+          </a:fontRef>
+        </p:style>
+        <p:txBody>
+          <a:bodyPr wrap="square" rtlCol="0" anchor="ctr">
+            <a:noAutofit/>
+          </a:bodyPr>
+          <a:lstStyle/>
+          <a:p>
+            <a:pPr rtl="0"/>
+            <a:r>
+              <a:rPr lang="en-US" altLang="ja-JP" sz="1500" dirty="0" err="1" smtClean="0">
+                <a:latin typeface="メイリオ" panose="020B0604030504040204" pitchFamily="50" charset="-128"/>
+                <a:ea typeface="メイリオ" panose="020B0604030504040204" pitchFamily="50" charset="-128"/>
+              </a:rPr>
+              <a:t>SuiteRec</a:t>
+            </a:r>
+            <a:r>
+              <a:rPr lang="ja-JP" altLang="en-US" sz="1500" dirty="0" smtClean="0">
+                <a:latin typeface="メイリオ" panose="020B0604030504040204" pitchFamily="50" charset="-128"/>
+                <a:ea typeface="メイリオ" panose="020B0604030504040204" pitchFamily="50" charset="-128"/>
+              </a:rPr>
+              <a:t>のインターフェス</a:t>
+            </a:r>
+            <a:endParaRPr lang="ja-JP" altLang="en-US" sz="1500" dirty="0">
+              <a:latin typeface="メイリオ" panose="020B0604030504040204" pitchFamily="50" charset="-128"/>
+              <a:ea typeface="メイリオ" panose="020B0604030504040204" pitchFamily="50" charset="-128"/>
+            </a:endParaRPr>
+          </a:p>
+        </p:txBody>
+      </p:sp>
+      <p:pic>
+        <p:nvPicPr>
+          <p:cNvPr id="81" name="図 80"/>
+          <p:cNvPicPr>
+            <a:picLocks noChangeAspect="1"/>
+          </p:cNvPicPr>
+          <p:nvPr/>
+        </p:nvPicPr>
+        <p:blipFill rotWithShape="1">
+          <a:blip r:embed="rId8"/>
+          <a:srcRect t="2897" b="65603"/>
+          <a:stretch/>
+        </p:blipFill>
+        <p:spPr>
+          <a:xfrm>
+            <a:off x="3655635" y="6473773"/>
+            <a:ext cx="1068861" cy="377695"/>
+          </a:xfrm>
+          <a:prstGeom prst="rect">
+            <a:avLst/>
+          </a:prstGeom>
+        </p:spPr>
+      </p:pic>
+      <p:pic>
+        <p:nvPicPr>
+          <p:cNvPr id="82" name="図 81"/>
+          <p:cNvPicPr>
+            <a:picLocks noChangeAspect="1"/>
+          </p:cNvPicPr>
+          <p:nvPr/>
+        </p:nvPicPr>
+        <p:blipFill rotWithShape="1">
+          <a:blip r:embed="rId8"/>
+          <a:srcRect t="80140" b="7715"/>
+          <a:stretch/>
+        </p:blipFill>
+        <p:spPr>
+          <a:xfrm>
+            <a:off x="5554731" y="6470716"/>
+            <a:ext cx="1040550" cy="141761"/>
+          </a:xfrm>
+          <a:prstGeom prst="rect">
+            <a:avLst/>
+          </a:prstGeom>
+        </p:spPr>
+      </p:pic>
+      <p:pic>
+        <p:nvPicPr>
+          <p:cNvPr id="83" name="図 82"/>
+          <p:cNvPicPr>
+            <a:picLocks noChangeAspect="1"/>
+          </p:cNvPicPr>
+          <p:nvPr/>
+        </p:nvPicPr>
+        <p:blipFill rotWithShape="1">
+          <a:blip r:embed="rId8"/>
+          <a:srcRect t="41558" b="26562"/>
+          <a:stretch/>
+        </p:blipFill>
+        <p:spPr>
+          <a:xfrm>
+            <a:off x="4565211" y="6473773"/>
+            <a:ext cx="1071524" cy="379506"/>
+          </a:xfrm>
+          <a:prstGeom prst="rect">
+            <a:avLst/>
+          </a:prstGeom>
+        </p:spPr>
+      </p:pic>
+      <p:sp>
+        <p:nvSpPr>
+          <p:cNvPr id="33" name="長方形 103">
+            <a:extLst>
+              <a:ext uri="{C183D7F6-B498-43B3-948B-1728B52AA6E4}">
+                <adec:decorative xmlns:adec="http://schemas.microsoft.com/office/drawing/2017/decorative" xmlns="" val="1"/>
+              </a:ext>
+            </a:extLst>
+          </p:cNvPr>
+          <p:cNvSpPr/>
+          <p:nvPr/>
+        </p:nvSpPr>
+        <p:spPr>
+          <a:xfrm>
+            <a:off x="168448" y="7065213"/>
+            <a:ext cx="2052000" cy="331819"/>
+          </a:xfrm>
+          <a:prstGeom prst="rect">
+            <a:avLst/>
+          </a:prstGeom>
+          <a:solidFill>
+            <a:srgbClr val="30353F">
+              <a:alpha val="86000"/>
+            </a:srgbClr>
+          </a:solidFill>
+          <a:ln>
+            <a:noFill/>
+          </a:ln>
+          <a:effectLst>
+            <a:outerShdw blurRad="50800" dist="76200" dir="2700000" algn="tl" rotWithShape="0">
+              <a:prstClr val="black">
+                <a:alpha val="40000"/>
+              </a:prstClr>
+            </a:outerShdw>
+          </a:effectLst>
+        </p:spPr>
+        <p:style>
+          <a:lnRef idx="2">
+            <a:schemeClr val="accent1">
+              <a:shade val="50000"/>
+            </a:schemeClr>
+          </a:lnRef>
+          <a:fillRef idx="1">
+            <a:schemeClr val="accent1"/>
+          </a:fillRef>
+          <a:effectRef idx="0">
+            <a:schemeClr val="accent1"/>
+          </a:effectRef>
+          <a:fontRef idx="minor">
+            <a:schemeClr val="lt1"/>
+          </a:fontRef>
+        </p:style>
+        <p:txBody>
+          <a:bodyPr wrap="square" rtlCol="0" anchor="ctr">
+            <a:noAutofit/>
+          </a:bodyPr>
+          <a:lstStyle/>
+          <a:p>
+            <a:pPr rtl="0"/>
+            <a:endParaRPr lang="ja-JP" altLang="en-US" sz="1500" dirty="0">
+              <a:latin typeface="メイリオ" panose="020B0604030504040204" pitchFamily="50" charset="-128"/>
+              <a:ea typeface="メイリオ" panose="020B0604030504040204" pitchFamily="50" charset="-128"/>
+            </a:endParaRPr>
+          </a:p>
+        </p:txBody>
+      </p:sp>
+      <p:sp>
+        <p:nvSpPr>
+          <p:cNvPr id="38" name="長方形 103">
+            <a:extLst>
+              <a:ext uri="{C183D7F6-B498-43B3-948B-1728B52AA6E4}">
+                <adec:decorative xmlns:adec="http://schemas.microsoft.com/office/drawing/2017/decorative" xmlns="" val="1"/>
+              </a:ext>
+            </a:extLst>
+          </p:cNvPr>
+          <p:cNvSpPr/>
+          <p:nvPr/>
+        </p:nvSpPr>
+        <p:spPr>
+          <a:xfrm>
+            <a:off x="2392004" y="7065213"/>
+            <a:ext cx="2052000" cy="331819"/>
+          </a:xfrm>
+          <a:prstGeom prst="rect">
+            <a:avLst/>
+          </a:prstGeom>
+          <a:solidFill>
+            <a:srgbClr val="30353F">
+              <a:alpha val="86000"/>
+            </a:srgbClr>
+          </a:solidFill>
+          <a:ln>
+            <a:noFill/>
+          </a:ln>
+          <a:effectLst>
+            <a:outerShdw blurRad="50800" dist="76200" dir="2700000" algn="tl" rotWithShape="0">
+              <a:prstClr val="black">
+                <a:alpha val="40000"/>
+              </a:prstClr>
+            </a:outerShdw>
+          </a:effectLst>
+        </p:spPr>
+        <p:style>
+          <a:lnRef idx="2">
+            <a:schemeClr val="accent1">
+              <a:shade val="50000"/>
+            </a:schemeClr>
+          </a:lnRef>
+          <a:fillRef idx="1">
+            <a:schemeClr val="accent1"/>
+          </a:fillRef>
+          <a:effectRef idx="0">
+            <a:schemeClr val="accent1"/>
+          </a:effectRef>
+          <a:fontRef idx="minor">
+            <a:schemeClr val="lt1"/>
+          </a:fontRef>
+        </p:style>
+        <p:txBody>
+          <a:bodyPr wrap="square" rtlCol="0" anchor="ctr">
+            <a:noAutofit/>
+          </a:bodyPr>
+          <a:lstStyle/>
+          <a:p>
+            <a:pPr rtl="0"/>
+            <a:endParaRPr lang="ja-JP" altLang="en-US" sz="1500" dirty="0">
+              <a:latin typeface="メイリオ" panose="020B0604030504040204" pitchFamily="50" charset="-128"/>
+              <a:ea typeface="メイリオ" panose="020B0604030504040204" pitchFamily="50" charset="-128"/>
+            </a:endParaRPr>
+          </a:p>
+        </p:txBody>
+      </p:sp>
+      <p:sp>
+        <p:nvSpPr>
+          <p:cNvPr id="39" name="長方形 103">
+            <a:extLst>
+              <a:ext uri="{C183D7F6-B498-43B3-948B-1728B52AA6E4}">
+                <adec:decorative xmlns:adec="http://schemas.microsoft.com/office/drawing/2017/decorative" xmlns="" val="1"/>
+              </a:ext>
+            </a:extLst>
+          </p:cNvPr>
+          <p:cNvSpPr/>
+          <p:nvPr/>
+        </p:nvSpPr>
+        <p:spPr>
+          <a:xfrm>
+            <a:off x="4609961" y="7065212"/>
+            <a:ext cx="2052000" cy="331819"/>
+          </a:xfrm>
+          <a:prstGeom prst="rect">
+            <a:avLst/>
+          </a:prstGeom>
+          <a:solidFill>
+            <a:srgbClr val="30353F">
+              <a:alpha val="86000"/>
+            </a:srgbClr>
+          </a:solidFill>
+          <a:ln>
+            <a:noFill/>
+          </a:ln>
+          <a:effectLst>
+            <a:outerShdw blurRad="50800" dist="76200" dir="2700000" algn="tl" rotWithShape="0">
+              <a:prstClr val="black">
+                <a:alpha val="40000"/>
+              </a:prstClr>
+            </a:outerShdw>
+          </a:effectLst>
+        </p:spPr>
+        <p:style>
+          <a:lnRef idx="2">
+            <a:schemeClr val="accent1">
+              <a:shade val="50000"/>
+            </a:schemeClr>
+          </a:lnRef>
+          <a:fillRef idx="1">
+            <a:schemeClr val="accent1"/>
+          </a:fillRef>
+          <a:effectRef idx="0">
+            <a:schemeClr val="accent1"/>
+          </a:effectRef>
+          <a:fontRef idx="minor">
+            <a:schemeClr val="lt1"/>
+          </a:fontRef>
+        </p:style>
+        <p:txBody>
+          <a:bodyPr wrap="square" rtlCol="0" anchor="ctr">
+            <a:noAutofit/>
+          </a:bodyPr>
+          <a:lstStyle/>
+          <a:p>
+            <a:pPr rtl="0"/>
+            <a:endParaRPr lang="ja-JP" altLang="en-US" sz="1500" dirty="0">
+              <a:latin typeface="メイリオ" panose="020B0604030504040204" pitchFamily="50" charset="-128"/>
+              <a:ea typeface="メイリオ" panose="020B0604030504040204" pitchFamily="50" charset="-128"/>
+            </a:endParaRPr>
+          </a:p>
+        </p:txBody>
+      </p:sp>
+      <p:sp>
+        <p:nvSpPr>
+          <p:cNvPr id="40" name="タイトル 2"/>
+          <p:cNvSpPr txBox="1">
+            <a:spLocks/>
+          </p:cNvSpPr>
+          <p:nvPr/>
+        </p:nvSpPr>
+        <p:spPr>
+          <a:xfrm>
+            <a:off x="106530" y="7065212"/>
+            <a:ext cx="2279477" cy="353994"/>
+          </a:xfrm>
+          <a:prstGeom prst="rect">
+            <a:avLst/>
+          </a:prstGeom>
+        </p:spPr>
+        <p:txBody>
+          <a:bodyPr vert="horz" lIns="91440" tIns="45720" rIns="91440" bIns="45720" rtlCol="0" anchor="ctr">
+            <a:noAutofit/>
+          </a:bodyPr>
+          <a:lstStyle>
+            <a:lvl1pPr algn="l" defTabSz="685800" rtl="0" eaLnBrk="1" latinLnBrk="0" hangingPunct="1">
+              <a:lnSpc>
+                <a:spcPct val="90000"/>
+              </a:lnSpc>
+              <a:spcBef>
+                <a:spcPct val="0"/>
+              </a:spcBef>
+              <a:buNone/>
+              <a:defRPr kumimoji="1" sz="3300" kern="1200">
+                <a:solidFill>
+                  <a:schemeClr val="tx1"/>
+                </a:solidFill>
+                <a:latin typeface="+mj-lt"/>
+                <a:ea typeface="+mj-ea"/>
+                <a:cs typeface="+mj-cs"/>
+              </a:defRPr>
+            </a:lvl1pPr>
+          </a:lstStyle>
+          <a:p>
+            <a:r>
+              <a:rPr lang="en-US" altLang="ja-JP" sz="800" b="1" i="1" dirty="0" smtClean="0">
+                <a:solidFill>
+                  <a:schemeClr val="bg1"/>
+                </a:solidFill>
+                <a:latin typeface="メイリオ" panose="020B0604030504040204" pitchFamily="50" charset="-128"/>
+                <a:ea typeface="メイリオ" panose="020B0604030504040204" pitchFamily="50" charset="-128"/>
+              </a:rPr>
+              <a:t>RQ1.</a:t>
+            </a:r>
+            <a:r>
+              <a:rPr lang="en-US" altLang="ja-JP" sz="800" b="1" dirty="0" smtClean="0">
+                <a:solidFill>
+                  <a:schemeClr val="bg1"/>
+                </a:solidFill>
+                <a:latin typeface="メイリオ" panose="020B0604030504040204" pitchFamily="50" charset="-128"/>
+                <a:ea typeface="メイリオ" panose="020B0604030504040204" pitchFamily="50" charset="-128"/>
+              </a:rPr>
+              <a:t> </a:t>
+            </a:r>
+            <a:r>
+              <a:rPr lang="en-US" altLang="ja-JP" sz="800" dirty="0" err="1" smtClean="0">
+                <a:solidFill>
+                  <a:schemeClr val="bg1"/>
+                </a:solidFill>
+                <a:latin typeface="メイリオ" panose="020B0604030504040204" pitchFamily="50" charset="-128"/>
+                <a:ea typeface="メイリオ" panose="020B0604030504040204" pitchFamily="50" charset="-128"/>
+              </a:rPr>
+              <a:t>SuiteRec</a:t>
+            </a:r>
+            <a:r>
+              <a:rPr lang="ja-JP" altLang="en-US" sz="800" dirty="0" smtClean="0">
+                <a:solidFill>
+                  <a:schemeClr val="bg1"/>
+                </a:solidFill>
+                <a:latin typeface="メイリオ" panose="020B0604030504040204" pitchFamily="50" charset="-128"/>
+                <a:ea typeface="メイリオ" panose="020B0604030504040204" pitchFamily="50" charset="-128"/>
+              </a:rPr>
+              <a:t>は、高いカバレッジを持つ</a:t>
+            </a:r>
+            <a:br>
+              <a:rPr lang="ja-JP" altLang="en-US" sz="800" dirty="0" smtClean="0">
+                <a:solidFill>
+                  <a:schemeClr val="bg1"/>
+                </a:solidFill>
+                <a:latin typeface="メイリオ" panose="020B0604030504040204" pitchFamily="50" charset="-128"/>
+                <a:ea typeface="メイリオ" panose="020B0604030504040204" pitchFamily="50" charset="-128"/>
+              </a:rPr>
+            </a:br>
+            <a:r>
+              <a:rPr lang="ja-JP" altLang="en-US" sz="800" dirty="0" smtClean="0">
+                <a:solidFill>
+                  <a:schemeClr val="bg1"/>
+                </a:solidFill>
+                <a:latin typeface="メイリオ" panose="020B0604030504040204" pitchFamily="50" charset="-128"/>
+                <a:ea typeface="メイリオ" panose="020B0604030504040204" pitchFamily="50" charset="-128"/>
+              </a:rPr>
+              <a:t>        テストコードの作成を支援できるか？</a:t>
+            </a:r>
+            <a:endParaRPr lang="ja-JP" altLang="en-US" sz="800" dirty="0">
+              <a:solidFill>
+                <a:schemeClr val="bg1"/>
+              </a:solidFill>
+              <a:latin typeface="メイリオ" panose="020B0604030504040204" pitchFamily="50" charset="-128"/>
+              <a:ea typeface="メイリオ" panose="020B0604030504040204" pitchFamily="50" charset="-128"/>
+            </a:endParaRPr>
+          </a:p>
+        </p:txBody>
+      </p:sp>
+      <p:sp>
+        <p:nvSpPr>
+          <p:cNvPr id="10" name="正方形/長方形 9"/>
+          <p:cNvSpPr/>
+          <p:nvPr/>
+        </p:nvSpPr>
+        <p:spPr>
+          <a:xfrm>
+            <a:off x="2349141" y="7078863"/>
+            <a:ext cx="2422884" cy="338554"/>
+          </a:xfrm>
+          <a:prstGeom prst="rect">
+            <a:avLst/>
+          </a:prstGeom>
+        </p:spPr>
+        <p:txBody>
+          <a:bodyPr wrap="square">
+            <a:spAutoFit/>
+          </a:bodyPr>
+          <a:lstStyle/>
+          <a:p>
+            <a:r>
+              <a:rPr lang="en-US" altLang="ja-JP" sz="800" b="1" i="1" dirty="0">
+                <a:solidFill>
+                  <a:schemeClr val="bg1"/>
+                </a:solidFill>
+                <a:latin typeface="メイリオ" panose="020B0604030504040204" pitchFamily="50" charset="-128"/>
+                <a:ea typeface="メイリオ" panose="020B0604030504040204" pitchFamily="50" charset="-128"/>
+              </a:rPr>
+              <a:t>RQ2. </a:t>
+            </a:r>
+            <a:r>
+              <a:rPr lang="en-US" altLang="ja-JP" sz="800" dirty="0" err="1">
+                <a:solidFill>
+                  <a:schemeClr val="bg1"/>
+                </a:solidFill>
+                <a:latin typeface="メイリオ" panose="020B0604030504040204" pitchFamily="50" charset="-128"/>
+                <a:ea typeface="メイリオ" panose="020B0604030504040204" pitchFamily="50" charset="-128"/>
+              </a:rPr>
+              <a:t>SuiteRec</a:t>
+            </a:r>
+            <a:r>
+              <a:rPr lang="ja-JP" altLang="en-US" sz="800" dirty="0">
+                <a:solidFill>
+                  <a:schemeClr val="bg1"/>
+                </a:solidFill>
+                <a:latin typeface="メイリオ" panose="020B0604030504040204" pitchFamily="50" charset="-128"/>
+                <a:ea typeface="メイリオ" panose="020B0604030504040204" pitchFamily="50" charset="-128"/>
+              </a:rPr>
+              <a:t>は、テストコードの</a:t>
+            </a:r>
+            <a:r>
+              <a:rPr lang="ja-JP" altLang="en-US" sz="800" dirty="0" smtClean="0">
+                <a:solidFill>
+                  <a:schemeClr val="bg1"/>
+                </a:solidFill>
+                <a:latin typeface="メイリオ" panose="020B0604030504040204" pitchFamily="50" charset="-128"/>
+                <a:ea typeface="メイリオ" panose="020B0604030504040204" pitchFamily="50" charset="-128"/>
+              </a:rPr>
+              <a:t>作成</a:t>
+            </a:r>
+            <a:r>
+              <a:rPr lang="en-US" altLang="ja-JP" sz="800" dirty="0" smtClean="0">
+                <a:solidFill>
+                  <a:schemeClr val="bg1"/>
+                </a:solidFill>
+                <a:latin typeface="メイリオ" panose="020B0604030504040204" pitchFamily="50" charset="-128"/>
+                <a:ea typeface="メイリオ" panose="020B0604030504040204" pitchFamily="50" charset="-128"/>
+              </a:rPr>
+              <a:t/>
+            </a:r>
+            <a:br>
+              <a:rPr lang="en-US" altLang="ja-JP" sz="800" dirty="0" smtClean="0">
+                <a:solidFill>
+                  <a:schemeClr val="bg1"/>
+                </a:solidFill>
+                <a:latin typeface="メイリオ" panose="020B0604030504040204" pitchFamily="50" charset="-128"/>
+                <a:ea typeface="メイリオ" panose="020B0604030504040204" pitchFamily="50" charset="-128"/>
+              </a:rPr>
+            </a:br>
+            <a:r>
+              <a:rPr lang="en-US" altLang="ja-JP" sz="800" dirty="0" smtClean="0">
+                <a:solidFill>
+                  <a:schemeClr val="bg1"/>
+                </a:solidFill>
+                <a:latin typeface="メイリオ" panose="020B0604030504040204" pitchFamily="50" charset="-128"/>
+                <a:ea typeface="メイリオ" panose="020B0604030504040204" pitchFamily="50" charset="-128"/>
+              </a:rPr>
+              <a:t>        </a:t>
+            </a:r>
+            <a:r>
+              <a:rPr lang="ja-JP" altLang="en-US" sz="800" dirty="0" smtClean="0">
+                <a:solidFill>
+                  <a:schemeClr val="bg1"/>
+                </a:solidFill>
+                <a:latin typeface="メイリオ" panose="020B0604030504040204" pitchFamily="50" charset="-128"/>
+                <a:ea typeface="メイリオ" panose="020B0604030504040204" pitchFamily="50" charset="-128"/>
+              </a:rPr>
+              <a:t>時間を削減</a:t>
+            </a:r>
+            <a:r>
+              <a:rPr lang="ja-JP" altLang="en-US" sz="800" dirty="0">
+                <a:solidFill>
+                  <a:schemeClr val="bg1"/>
+                </a:solidFill>
+                <a:latin typeface="メイリオ" panose="020B0604030504040204" pitchFamily="50" charset="-128"/>
+                <a:ea typeface="メイリオ" panose="020B0604030504040204" pitchFamily="50" charset="-128"/>
+              </a:rPr>
+              <a:t>できるか？</a:t>
+            </a:r>
+          </a:p>
+        </p:txBody>
+      </p:sp>
+      <p:sp>
+        <p:nvSpPr>
+          <p:cNvPr id="42" name="タイトル 2"/>
+          <p:cNvSpPr txBox="1">
+            <a:spLocks/>
+          </p:cNvSpPr>
+          <p:nvPr/>
+        </p:nvSpPr>
+        <p:spPr>
+          <a:xfrm>
+            <a:off x="4596818" y="6986279"/>
+            <a:ext cx="2261181" cy="500704"/>
+          </a:xfrm>
+          <a:prstGeom prst="rect">
+            <a:avLst/>
+          </a:prstGeom>
+        </p:spPr>
+        <p:txBody>
+          <a:bodyPr vert="horz" lIns="91440" tIns="45720" rIns="91440" bIns="45720" rtlCol="0" anchor="ctr">
+            <a:noAutofit/>
+          </a:bodyPr>
+          <a:lstStyle>
+            <a:lvl1pPr algn="l" defTabSz="685800" rtl="0" eaLnBrk="1" latinLnBrk="0" hangingPunct="1">
+              <a:lnSpc>
+                <a:spcPct val="90000"/>
+              </a:lnSpc>
+              <a:spcBef>
+                <a:spcPct val="0"/>
+              </a:spcBef>
+              <a:buNone/>
+              <a:defRPr kumimoji="1" sz="3300" kern="1200">
+                <a:solidFill>
+                  <a:schemeClr val="tx1"/>
+                </a:solidFill>
+                <a:latin typeface="+mj-lt"/>
+                <a:ea typeface="+mj-ea"/>
+                <a:cs typeface="+mj-cs"/>
+              </a:defRPr>
+            </a:lvl1pPr>
+          </a:lstStyle>
+          <a:p>
+            <a:r>
+              <a:rPr lang="en-US" altLang="ja-JP" sz="700" b="1" i="1" dirty="0" smtClean="0">
+                <a:solidFill>
+                  <a:schemeClr val="bg1"/>
+                </a:solidFill>
+                <a:latin typeface="メイリオ" panose="020B0604030504040204" pitchFamily="50" charset="-128"/>
+                <a:ea typeface="メイリオ" panose="020B0604030504040204" pitchFamily="50" charset="-128"/>
+              </a:rPr>
+              <a:t>RQ3.</a:t>
+            </a:r>
+            <a:r>
+              <a:rPr lang="en-US" altLang="ja-JP" sz="700" b="1" dirty="0" smtClean="0">
+                <a:solidFill>
+                  <a:schemeClr val="bg1"/>
+                </a:solidFill>
+                <a:latin typeface="メイリオ" panose="020B0604030504040204" pitchFamily="50" charset="-128"/>
+                <a:ea typeface="メイリオ" panose="020B0604030504040204" pitchFamily="50" charset="-128"/>
+              </a:rPr>
+              <a:t> </a:t>
+            </a:r>
+            <a:r>
+              <a:rPr lang="en-US" altLang="ja-JP" sz="700" dirty="0" err="1" smtClean="0">
+                <a:solidFill>
+                  <a:schemeClr val="bg1"/>
+                </a:solidFill>
+                <a:latin typeface="メイリオ" panose="020B0604030504040204" pitchFamily="50" charset="-128"/>
+                <a:ea typeface="メイリオ" panose="020B0604030504040204" pitchFamily="50" charset="-128"/>
+              </a:rPr>
+              <a:t>SuiteRec</a:t>
+            </a:r>
+            <a:r>
+              <a:rPr lang="ja-JP" altLang="en-US" sz="700" dirty="0" smtClean="0">
+                <a:solidFill>
+                  <a:schemeClr val="bg1"/>
+                </a:solidFill>
+                <a:latin typeface="メイリオ" panose="020B0604030504040204" pitchFamily="50" charset="-128"/>
+                <a:ea typeface="メイリオ" panose="020B0604030504040204" pitchFamily="50" charset="-128"/>
+              </a:rPr>
+              <a:t>は、テストスメルの数が少ない</a:t>
+            </a:r>
+            <a:r>
+              <a:rPr lang="en-US" altLang="ja-JP" sz="700" dirty="0" smtClean="0">
+                <a:solidFill>
+                  <a:schemeClr val="bg1"/>
+                </a:solidFill>
+                <a:latin typeface="メイリオ" panose="020B0604030504040204" pitchFamily="50" charset="-128"/>
+                <a:ea typeface="メイリオ" panose="020B0604030504040204" pitchFamily="50" charset="-128"/>
+              </a:rPr>
+              <a:t/>
+            </a:r>
+            <a:br>
+              <a:rPr lang="en-US" altLang="ja-JP" sz="700" dirty="0" smtClean="0">
+                <a:solidFill>
+                  <a:schemeClr val="bg1"/>
+                </a:solidFill>
+                <a:latin typeface="メイリオ" panose="020B0604030504040204" pitchFamily="50" charset="-128"/>
+                <a:ea typeface="メイリオ" panose="020B0604030504040204" pitchFamily="50" charset="-128"/>
+              </a:rPr>
+            </a:br>
+            <a:r>
+              <a:rPr lang="en-US" altLang="ja-JP" sz="700" dirty="0" smtClean="0">
+                <a:solidFill>
+                  <a:schemeClr val="bg1"/>
+                </a:solidFill>
+                <a:latin typeface="メイリオ" panose="020B0604030504040204" pitchFamily="50" charset="-128"/>
+                <a:ea typeface="メイリオ" panose="020B0604030504040204" pitchFamily="50" charset="-128"/>
+              </a:rPr>
+              <a:t>        </a:t>
+            </a:r>
+            <a:r>
+              <a:rPr lang="ja-JP" altLang="en-US" sz="700" dirty="0" smtClean="0">
+                <a:solidFill>
+                  <a:schemeClr val="bg1"/>
+                </a:solidFill>
+                <a:latin typeface="メイリオ" panose="020B0604030504040204" pitchFamily="50" charset="-128"/>
+                <a:ea typeface="メイリオ" panose="020B0604030504040204" pitchFamily="50" charset="-128"/>
+              </a:rPr>
+              <a:t>テストコードの作成を支援できるか？</a:t>
+            </a:r>
+            <a:endParaRPr lang="ja-JP" altLang="en-US" sz="700" dirty="0">
+              <a:solidFill>
+                <a:schemeClr val="bg1"/>
+              </a:solidFill>
+              <a:latin typeface="メイリオ" panose="020B0604030504040204" pitchFamily="50" charset="-128"/>
+              <a:ea typeface="メイリオ" panose="020B0604030504040204" pitchFamily="50" charset="-128"/>
+            </a:endParaRPr>
+          </a:p>
+        </p:txBody>
+      </p:sp>
+      <p:pic>
+        <p:nvPicPr>
+          <p:cNvPr id="13" name="図 12"/>
+          <p:cNvPicPr>
+            <a:picLocks noChangeAspect="1"/>
+          </p:cNvPicPr>
+          <p:nvPr/>
+        </p:nvPicPr>
+        <p:blipFill>
+          <a:blip r:embed="rId9"/>
+          <a:stretch>
+            <a:fillRect/>
+          </a:stretch>
+        </p:blipFill>
+        <p:spPr>
+          <a:xfrm>
+            <a:off x="168448" y="7522279"/>
+            <a:ext cx="2154864" cy="1372630"/>
+          </a:xfrm>
+          <a:prstGeom prst="rect">
+            <a:avLst/>
+          </a:prstGeom>
+        </p:spPr>
+      </p:pic>
+      <p:pic>
+        <p:nvPicPr>
+          <p:cNvPr id="14" name="図 13"/>
+          <p:cNvPicPr>
+            <a:picLocks noChangeAspect="1"/>
+          </p:cNvPicPr>
+          <p:nvPr/>
+        </p:nvPicPr>
+        <p:blipFill>
+          <a:blip r:embed="rId10"/>
+          <a:stretch>
+            <a:fillRect/>
+          </a:stretch>
+        </p:blipFill>
+        <p:spPr>
+          <a:xfrm>
+            <a:off x="2381464" y="7522279"/>
+            <a:ext cx="2170051" cy="1291836"/>
+          </a:xfrm>
+          <a:prstGeom prst="rect">
+            <a:avLst/>
+          </a:prstGeom>
+        </p:spPr>
+      </p:pic>
+      <p:pic>
+        <p:nvPicPr>
+          <p:cNvPr id="16" name="図 15"/>
+          <p:cNvPicPr>
+            <a:picLocks noChangeAspect="1"/>
+          </p:cNvPicPr>
+          <p:nvPr/>
+        </p:nvPicPr>
+        <p:blipFill>
+          <a:blip r:embed="rId11"/>
+          <a:stretch>
+            <a:fillRect/>
+          </a:stretch>
+        </p:blipFill>
+        <p:spPr>
+          <a:xfrm>
+            <a:off x="4587586" y="7550916"/>
+            <a:ext cx="2096749" cy="1214689"/>
+          </a:xfrm>
+          <a:prstGeom prst="rect">
+            <a:avLst/>
+          </a:prstGeom>
+        </p:spPr>
+      </p:pic>
+    </p:spTree>
+    <p:extLst>
+      <p:ext uri="{BB962C8B-B14F-4D97-AF65-F5344CB8AC3E}">
+        <p14:creationId xmlns:p14="http://schemas.microsoft.com/office/powerpoint/2010/main" val="2314588730"/>
       </p:ext>
     </p:extLst>
   </p:cSld>
